--- a/Chapter4/Lecture1/drawing.pptx
+++ b/Chapter4/Lecture1/drawing.pptx
@@ -6,6 +6,7 @@
   </p:sldMasterIdLst>
   <p:sldIdLst>
     <p:sldId id="256" r:id="rId2"/>
+    <p:sldId id="257" r:id="rId3"/>
   </p:sldIdLst>
   <p:sldSz cx="12192000" cy="6858000"/>
   <p:notesSz cx="6858000" cy="9144000"/>
@@ -3030,16 +3031,14 @@
           <a:ln/>
         </p:spPr>
         <p:style>
-          <a:lnRef idx="2">
-            <a:schemeClr val="accent6">
-              <a:shade val="50000"/>
-            </a:schemeClr>
+          <a:lnRef idx="1">
+            <a:schemeClr val="accent2"/>
           </a:lnRef>
-          <a:fillRef idx="1">
-            <a:schemeClr val="accent6"/>
+          <a:fillRef idx="3">
+            <a:schemeClr val="accent2"/>
           </a:fillRef>
-          <a:effectRef idx="0">
-            <a:schemeClr val="accent6"/>
+          <a:effectRef idx="2">
+            <a:schemeClr val="accent2"/>
           </a:effectRef>
           <a:fontRef idx="minor">
             <a:schemeClr val="lt1"/>
@@ -3070,16 +3069,14 @@
           </a:prstGeom>
         </p:spPr>
         <p:style>
-          <a:lnRef idx="2">
-            <a:schemeClr val="accent6">
-              <a:shade val="50000"/>
-            </a:schemeClr>
+          <a:lnRef idx="1">
+            <a:schemeClr val="accent2"/>
           </a:lnRef>
-          <a:fillRef idx="1">
-            <a:schemeClr val="accent6"/>
+          <a:fillRef idx="3">
+            <a:schemeClr val="accent2"/>
           </a:fillRef>
-          <a:effectRef idx="0">
-            <a:schemeClr val="accent6"/>
+          <a:effectRef idx="2">
+            <a:schemeClr val="accent2"/>
           </a:effectRef>
           <a:fontRef idx="minor">
             <a:schemeClr val="lt1"/>
@@ -3180,6 +3177,36 @@
     <p:extLst>
       <p:ext uri="{BB962C8B-B14F-4D97-AF65-F5344CB8AC3E}">
         <p14:creationId xmlns:p14="http://schemas.microsoft.com/office/powerpoint/2010/main" val="1766682456"/>
+      </p:ext>
+    </p:extLst>
+  </p:cSld>
+  <p:clrMapOvr>
+    <a:masterClrMapping/>
+  </p:clrMapOvr>
+</p:sld>
+</file>
+
+<file path=ppt/slides/slide2.xml><?xml version="1.0" encoding="utf-8"?>
+<p:sld xmlns:a="http://schemas.openxmlformats.org/drawingml/2006/main" xmlns:r="http://schemas.openxmlformats.org/officeDocument/2006/relationships" xmlns:p="http://schemas.openxmlformats.org/presentationml/2006/main">
+  <p:cSld>
+    <p:spTree>
+      <p:nvGrpSpPr>
+        <p:cNvPr id="1" name=""/>
+        <p:cNvGrpSpPr/>
+        <p:nvPr/>
+      </p:nvGrpSpPr>
+      <p:grpSpPr>
+        <a:xfrm>
+          <a:off x="0" y="0"/>
+          <a:ext cx="0" cy="0"/>
+          <a:chOff x="0" y="0"/>
+          <a:chExt cx="0" cy="0"/>
+        </a:xfrm>
+      </p:grpSpPr>
+    </p:spTree>
+    <p:extLst>
+      <p:ext uri="{BB962C8B-B14F-4D97-AF65-F5344CB8AC3E}">
+        <p14:creationId xmlns:p14="http://schemas.microsoft.com/office/powerpoint/2010/main" val="2975618353"/>
       </p:ext>
     </p:extLst>
   </p:cSld>
